--- a/.gitbook/assets/chapter-07-kor.pptx
+++ b/.gitbook/assets/chapter-07-kor.pptx
@@ -990,7 +990,7 @@
               <a:pPr>
                 <a:defRPr/>
               </a:pPr>
-              <a:t>2020-01-08</a:t>
+              <a:t>2020-01-12</a:t>
             </a:fld>
             <a:endParaRPr lang="ko-KR" altLang="en-US"/>
           </a:p>
@@ -1447,36 +1447,6 @@
           </a:p>
         </p:txBody>
       </p:sp>
-      <p:pic>
-        <p:nvPicPr>
-          <p:cNvPr id="8" name="그림 7"/>
-          <p:cNvPicPr>
-            <a:picLocks noChangeAspect="1"/>
-          </p:cNvPicPr>
-          <p:nvPr userDrawn="1"/>
-        </p:nvPicPr>
-        <p:blipFill>
-          <a:blip r:embed="rId2" cstate="print">
-            <a:extLst>
-              <a:ext uri="{28A0092B-C50C-407E-A947-70E740481C1C}">
-                <a14:useLocalDpi xmlns:a14="http://schemas.microsoft.com/office/drawing/2010/main" val="0"/>
-              </a:ext>
-            </a:extLst>
-          </a:blip>
-          <a:stretch>
-            <a:fillRect/>
-          </a:stretch>
-        </p:blipFill>
-        <p:spPr>
-          <a:xfrm>
-            <a:off x="-108520" y="143635"/>
-            <a:ext cx="2255525" cy="1146050"/>
-          </a:xfrm>
-          <a:prstGeom prst="rect">
-            <a:avLst/>
-          </a:prstGeom>
-        </p:spPr>
-      </p:pic>
       <p:sp>
         <p:nvSpPr>
           <p:cNvPr id="71" name="정오각형 70"/>
@@ -2246,7 +2216,7 @@
               <a:pPr>
                 <a:defRPr/>
               </a:pPr>
-              <a:t>Wednesday, January 8, 2020</a:t>
+              <a:t>Sunday, January 12, 2020</a:t>
             </a:fld>
             <a:endParaRPr lang="en-US" dirty="0"/>
           </a:p>
@@ -2439,7 +2409,7 @@
               <a:pPr>
                 <a:defRPr/>
               </a:pPr>
-              <a:t>Wednesday, January 8, 2020</a:t>
+              <a:t>Sunday, January 12, 2020</a:t>
             </a:fld>
             <a:endParaRPr lang="en-US"/>
           </a:p>
@@ -2549,7 +2519,7 @@
               <a:pPr>
                 <a:defRPr/>
               </a:pPr>
-              <a:t>Wednesday, January 8, 2020</a:t>
+              <a:t>Sunday, January 12, 2020</a:t>
             </a:fld>
             <a:endParaRPr lang="en-US" dirty="0"/>
           </a:p>
@@ -2909,7 +2879,7 @@
               <a:pPr>
                 <a:defRPr/>
               </a:pPr>
-              <a:t>Wednesday, January 8, 2020</a:t>
+              <a:t>Sunday, January 12, 2020</a:t>
             </a:fld>
             <a:endParaRPr lang="en-US"/>
           </a:p>
@@ -3209,7 +3179,7 @@
               <a:pPr>
                 <a:defRPr/>
               </a:pPr>
-              <a:t>Wednesday, January 8, 2020</a:t>
+              <a:t>Sunday, January 12, 2020</a:t>
             </a:fld>
             <a:endParaRPr lang="en-US"/>
           </a:p>
@@ -3643,7 +3613,7 @@
               <a:pPr>
                 <a:defRPr/>
               </a:pPr>
-              <a:t>Wednesday, January 8, 2020</a:t>
+              <a:t>Sunday, January 12, 2020</a:t>
             </a:fld>
             <a:endParaRPr lang="en-US"/>
           </a:p>
@@ -3775,7 +3745,7 @@
               <a:pPr>
                 <a:defRPr/>
               </a:pPr>
-              <a:t>Wednesday, January 8, 2020</a:t>
+              <a:t>Sunday, January 12, 2020</a:t>
             </a:fld>
             <a:endParaRPr lang="en-US" dirty="0"/>
           </a:p>
@@ -3885,7 +3855,7 @@
               <a:pPr>
                 <a:defRPr/>
               </a:pPr>
-              <a:t>Wednesday, January 8, 2020</a:t>
+              <a:t>Sunday, January 12, 2020</a:t>
             </a:fld>
             <a:endParaRPr lang="en-US"/>
           </a:p>
@@ -4175,7 +4145,7 @@
               <a:pPr>
                 <a:defRPr/>
               </a:pPr>
-              <a:t>Wednesday, January 8, 2020</a:t>
+              <a:t>Sunday, January 12, 2020</a:t>
             </a:fld>
             <a:endParaRPr lang="en-US" dirty="0"/>
           </a:p>
@@ -4442,7 +4412,7 @@
               <a:pPr>
                 <a:defRPr/>
               </a:pPr>
-              <a:t>Wednesday, January 8, 2020</a:t>
+              <a:t>Sunday, January 12, 2020</a:t>
             </a:fld>
             <a:endParaRPr lang="en-US"/>
           </a:p>
@@ -4735,7 +4705,7 @@
               <a:pPr>
                 <a:defRPr/>
               </a:pPr>
-              <a:t>Wednesday, January 8, 2020</a:t>
+              <a:t>Sunday, January 12, 2020</a:t>
             </a:fld>
             <a:endParaRPr lang="en-US" dirty="0"/>
           </a:p>
@@ -4884,8 +4854,8 @@
         </p:nvSpPr>
         <p:spPr bwMode="auto">
           <a:xfrm>
-            <a:off x="8397425" y="6489340"/>
-            <a:ext cx="569387" cy="261610"/>
+            <a:off x="8391012" y="6489340"/>
+            <a:ext cx="575800" cy="253916"/>
           </a:xfrm>
           <a:prstGeom prst="rect">
             <a:avLst/>
@@ -5030,7 +5000,7 @@
               <a:defRPr/>
             </a:pPr>
             <a:fld id="{F60B237E-1E27-414E-981E-8B20D038C067}" type="slidenum">
-              <a:rPr lang="en-US" altLang="ko-KR" sz="1050" smtClean="0">
+              <a:rPr lang="en-US" altLang="ko-KR" sz="1050" b="1" i="0" smtClean="0">
                 <a:latin typeface="+mn-ea"/>
                 <a:ea typeface="+mn-ea"/>
               </a:rPr>
@@ -5040,12 +5010,16 @@
               <a:t>‹#›</a:t>
             </a:fld>
             <a:r>
-              <a:rPr lang="en-US" altLang="ko-KR" sz="1050" dirty="0">
-                <a:latin typeface="+mn-ea"/>
-                <a:ea typeface="+mn-ea"/>
-              </a:rPr>
-              <a:t>/31</a:t>
-            </a:r>
+              <a:rPr lang="en-US" altLang="ko-KR" sz="1050" b="1" i="0" dirty="0" smtClean="0">
+                <a:latin typeface="+mn-ea"/>
+                <a:ea typeface="+mn-ea"/>
+              </a:rPr>
+              <a:t>/22</a:t>
+            </a:r>
+            <a:endParaRPr lang="en-US" altLang="ko-KR" sz="1050" b="1" i="0" dirty="0">
+              <a:latin typeface="+mn-ea"/>
+              <a:ea typeface="+mn-ea"/>
+            </a:endParaRPr>
           </a:p>
         </p:txBody>
       </p:sp>
@@ -13288,7 +13262,7 @@
           <a:graphicData uri="http://schemas.openxmlformats.org/presentationml/2006/ole">
             <mc:AlternateContent xmlns:mc="http://schemas.openxmlformats.org/markup-compatibility/2006">
               <mc:Choice xmlns:v="urn:schemas-microsoft-com:vml" Requires="v">
-                <p:oleObj spid="_x0000_s1026" name="Equation" r:id="rId3" imgW="927000" imgH="482400" progId="Equation.DSMT4">
+                <p:oleObj spid="_x0000_s1027" name="Equation" r:id="rId3" imgW="927000" imgH="482400" progId="Equation.DSMT4">
                   <p:embed/>
                 </p:oleObj>
               </mc:Choice>

--- a/.gitbook/assets/chapter-07-kor.pptx
+++ b/.gitbook/assets/chapter-07-kor.pptx
@@ -990,7 +990,7 @@
               <a:pPr>
                 <a:defRPr/>
               </a:pPr>
-              <a:t>2020-01-12</a:t>
+              <a:t>2020-01-08</a:t>
             </a:fld>
             <a:endParaRPr lang="ko-KR" altLang="en-US"/>
           </a:p>
@@ -1447,6 +1447,36 @@
           </a:p>
         </p:txBody>
       </p:sp>
+      <p:pic>
+        <p:nvPicPr>
+          <p:cNvPr id="8" name="그림 7"/>
+          <p:cNvPicPr>
+            <a:picLocks noChangeAspect="1"/>
+          </p:cNvPicPr>
+          <p:nvPr userDrawn="1"/>
+        </p:nvPicPr>
+        <p:blipFill>
+          <a:blip r:embed="rId2" cstate="print">
+            <a:extLst>
+              <a:ext uri="{28A0092B-C50C-407E-A947-70E740481C1C}">
+                <a14:useLocalDpi xmlns:a14="http://schemas.microsoft.com/office/drawing/2010/main" val="0"/>
+              </a:ext>
+            </a:extLst>
+          </a:blip>
+          <a:stretch>
+            <a:fillRect/>
+          </a:stretch>
+        </p:blipFill>
+        <p:spPr>
+          <a:xfrm>
+            <a:off x="-108520" y="143635"/>
+            <a:ext cx="2255525" cy="1146050"/>
+          </a:xfrm>
+          <a:prstGeom prst="rect">
+            <a:avLst/>
+          </a:prstGeom>
+        </p:spPr>
+      </p:pic>
       <p:sp>
         <p:nvSpPr>
           <p:cNvPr id="71" name="정오각형 70"/>
@@ -2216,7 +2246,7 @@
               <a:pPr>
                 <a:defRPr/>
               </a:pPr>
-              <a:t>Sunday, January 12, 2020</a:t>
+              <a:t>Wednesday, January 8, 2020</a:t>
             </a:fld>
             <a:endParaRPr lang="en-US" dirty="0"/>
           </a:p>
@@ -2409,7 +2439,7 @@
               <a:pPr>
                 <a:defRPr/>
               </a:pPr>
-              <a:t>Sunday, January 12, 2020</a:t>
+              <a:t>Wednesday, January 8, 2020</a:t>
             </a:fld>
             <a:endParaRPr lang="en-US"/>
           </a:p>
@@ -2519,7 +2549,7 @@
               <a:pPr>
                 <a:defRPr/>
               </a:pPr>
-              <a:t>Sunday, January 12, 2020</a:t>
+              <a:t>Wednesday, January 8, 2020</a:t>
             </a:fld>
             <a:endParaRPr lang="en-US" dirty="0"/>
           </a:p>
@@ -2879,7 +2909,7 @@
               <a:pPr>
                 <a:defRPr/>
               </a:pPr>
-              <a:t>Sunday, January 12, 2020</a:t>
+              <a:t>Wednesday, January 8, 2020</a:t>
             </a:fld>
             <a:endParaRPr lang="en-US"/>
           </a:p>
@@ -3179,7 +3209,7 @@
               <a:pPr>
                 <a:defRPr/>
               </a:pPr>
-              <a:t>Sunday, January 12, 2020</a:t>
+              <a:t>Wednesday, January 8, 2020</a:t>
             </a:fld>
             <a:endParaRPr lang="en-US"/>
           </a:p>
@@ -3613,7 +3643,7 @@
               <a:pPr>
                 <a:defRPr/>
               </a:pPr>
-              <a:t>Sunday, January 12, 2020</a:t>
+              <a:t>Wednesday, January 8, 2020</a:t>
             </a:fld>
             <a:endParaRPr lang="en-US"/>
           </a:p>
@@ -3745,7 +3775,7 @@
               <a:pPr>
                 <a:defRPr/>
               </a:pPr>
-              <a:t>Sunday, January 12, 2020</a:t>
+              <a:t>Wednesday, January 8, 2020</a:t>
             </a:fld>
             <a:endParaRPr lang="en-US" dirty="0"/>
           </a:p>
@@ -3855,7 +3885,7 @@
               <a:pPr>
                 <a:defRPr/>
               </a:pPr>
-              <a:t>Sunday, January 12, 2020</a:t>
+              <a:t>Wednesday, January 8, 2020</a:t>
             </a:fld>
             <a:endParaRPr lang="en-US"/>
           </a:p>
@@ -4145,7 +4175,7 @@
               <a:pPr>
                 <a:defRPr/>
               </a:pPr>
-              <a:t>Sunday, January 12, 2020</a:t>
+              <a:t>Wednesday, January 8, 2020</a:t>
             </a:fld>
             <a:endParaRPr lang="en-US" dirty="0"/>
           </a:p>
@@ -4412,7 +4442,7 @@
               <a:pPr>
                 <a:defRPr/>
               </a:pPr>
-              <a:t>Sunday, January 12, 2020</a:t>
+              <a:t>Wednesday, January 8, 2020</a:t>
             </a:fld>
             <a:endParaRPr lang="en-US"/>
           </a:p>
@@ -4705,7 +4735,7 @@
               <a:pPr>
                 <a:defRPr/>
               </a:pPr>
-              <a:t>Sunday, January 12, 2020</a:t>
+              <a:t>Wednesday, January 8, 2020</a:t>
             </a:fld>
             <a:endParaRPr lang="en-US" dirty="0"/>
           </a:p>
@@ -4854,8 +4884,8 @@
         </p:nvSpPr>
         <p:spPr bwMode="auto">
           <a:xfrm>
-            <a:off x="8391012" y="6489340"/>
-            <a:ext cx="575800" cy="253916"/>
+            <a:off x="8397425" y="6489340"/>
+            <a:ext cx="569387" cy="261610"/>
           </a:xfrm>
           <a:prstGeom prst="rect">
             <a:avLst/>
@@ -5000,7 +5030,7 @@
               <a:defRPr/>
             </a:pPr>
             <a:fld id="{F60B237E-1E27-414E-981E-8B20D038C067}" type="slidenum">
-              <a:rPr lang="en-US" altLang="ko-KR" sz="1050" b="1" i="0" smtClean="0">
+              <a:rPr lang="en-US" altLang="ko-KR" sz="1050" smtClean="0">
                 <a:latin typeface="+mn-ea"/>
                 <a:ea typeface="+mn-ea"/>
               </a:rPr>
@@ -5010,16 +5040,12 @@
               <a:t>‹#›</a:t>
             </a:fld>
             <a:r>
-              <a:rPr lang="en-US" altLang="ko-KR" sz="1050" b="1" i="0" dirty="0" smtClean="0">
-                <a:latin typeface="+mn-ea"/>
-                <a:ea typeface="+mn-ea"/>
-              </a:rPr>
-              <a:t>/22</a:t>
-            </a:r>
-            <a:endParaRPr lang="en-US" altLang="ko-KR" sz="1050" b="1" i="0" dirty="0">
-              <a:latin typeface="+mn-ea"/>
-              <a:ea typeface="+mn-ea"/>
-            </a:endParaRPr>
+              <a:rPr lang="en-US" altLang="ko-KR" sz="1050" dirty="0">
+                <a:latin typeface="+mn-ea"/>
+                <a:ea typeface="+mn-ea"/>
+              </a:rPr>
+              <a:t>/31</a:t>
+            </a:r>
           </a:p>
         </p:txBody>
       </p:sp>
@@ -13262,7 +13288,7 @@
           <a:graphicData uri="http://schemas.openxmlformats.org/presentationml/2006/ole">
             <mc:AlternateContent xmlns:mc="http://schemas.openxmlformats.org/markup-compatibility/2006">
               <mc:Choice xmlns:v="urn:schemas-microsoft-com:vml" Requires="v">
-                <p:oleObj spid="_x0000_s1027" name="Equation" r:id="rId3" imgW="927000" imgH="482400" progId="Equation.DSMT4">
+                <p:oleObj spid="_x0000_s1026" name="Equation" r:id="rId3" imgW="927000" imgH="482400" progId="Equation.DSMT4">
                   <p:embed/>
                 </p:oleObj>
               </mc:Choice>
